--- a/Session2&3.pptx
+++ b/Session2&3.pptx
@@ -293,6 +293,7 @@
           <a:p>
             <a:fld id="{D8B86852-3E66-4EC2-8D43-1CAE7F64559B}" type="datetimeFigureOut">
               <a:rPr lang="en-US" smtClean="0"/>
+              <a:pPr/>
               <a:t>10/19/2025</a:t>
             </a:fld>
             <a:endParaRPr lang="en-US"/>
@@ -335,6 +336,7 @@
           <a:p>
             <a:fld id="{2922F535-3F86-4947-A8D8-26F53347A011}" type="slidenum">
               <a:rPr lang="en-US" smtClean="0"/>
+              <a:pPr/>
               <a:t>‹#›</a:t>
             </a:fld>
             <a:endParaRPr lang="en-US"/>
@@ -458,6 +460,7 @@
           <a:p>
             <a:fld id="{D8B86852-3E66-4EC2-8D43-1CAE7F64559B}" type="datetimeFigureOut">
               <a:rPr lang="en-US" smtClean="0"/>
+              <a:pPr/>
               <a:t>10/19/2025</a:t>
             </a:fld>
             <a:endParaRPr lang="en-US"/>
@@ -500,6 +503,7 @@
           <a:p>
             <a:fld id="{2922F535-3F86-4947-A8D8-26F53347A011}" type="slidenum">
               <a:rPr lang="en-US" smtClean="0"/>
+              <a:pPr/>
               <a:t>‹#›</a:t>
             </a:fld>
             <a:endParaRPr lang="en-US"/>
@@ -633,6 +637,7 @@
           <a:p>
             <a:fld id="{D8B86852-3E66-4EC2-8D43-1CAE7F64559B}" type="datetimeFigureOut">
               <a:rPr lang="en-US" smtClean="0"/>
+              <a:pPr/>
               <a:t>10/19/2025</a:t>
             </a:fld>
             <a:endParaRPr lang="en-US"/>
@@ -675,6 +680,7 @@
           <a:p>
             <a:fld id="{2922F535-3F86-4947-A8D8-26F53347A011}" type="slidenum">
               <a:rPr lang="en-US" smtClean="0"/>
+              <a:pPr/>
               <a:t>‹#›</a:t>
             </a:fld>
             <a:endParaRPr lang="en-US"/>
@@ -798,6 +804,7 @@
           <a:p>
             <a:fld id="{D8B86852-3E66-4EC2-8D43-1CAE7F64559B}" type="datetimeFigureOut">
               <a:rPr lang="en-US" smtClean="0"/>
+              <a:pPr/>
               <a:t>10/19/2025</a:t>
             </a:fld>
             <a:endParaRPr lang="en-US"/>
@@ -840,6 +847,7 @@
           <a:p>
             <a:fld id="{2922F535-3F86-4947-A8D8-26F53347A011}" type="slidenum">
               <a:rPr lang="en-US" smtClean="0"/>
+              <a:pPr/>
               <a:t>‹#›</a:t>
             </a:fld>
             <a:endParaRPr lang="en-US"/>
@@ -1039,6 +1047,7 @@
           <a:p>
             <a:fld id="{D8B86852-3E66-4EC2-8D43-1CAE7F64559B}" type="datetimeFigureOut">
               <a:rPr lang="en-US" smtClean="0"/>
+              <a:pPr/>
               <a:t>10/19/2025</a:t>
             </a:fld>
             <a:endParaRPr lang="en-US"/>
@@ -1081,6 +1090,7 @@
           <a:p>
             <a:fld id="{2922F535-3F86-4947-A8D8-26F53347A011}" type="slidenum">
               <a:rPr lang="en-US" smtClean="0"/>
+              <a:pPr/>
               <a:t>‹#›</a:t>
             </a:fld>
             <a:endParaRPr lang="en-US"/>
@@ -1322,6 +1332,7 @@
           <a:p>
             <a:fld id="{D8B86852-3E66-4EC2-8D43-1CAE7F64559B}" type="datetimeFigureOut">
               <a:rPr lang="en-US" smtClean="0"/>
+              <a:pPr/>
               <a:t>10/19/2025</a:t>
             </a:fld>
             <a:endParaRPr lang="en-US"/>
@@ -1364,6 +1375,7 @@
           <a:p>
             <a:fld id="{2922F535-3F86-4947-A8D8-26F53347A011}" type="slidenum">
               <a:rPr lang="en-US" smtClean="0"/>
+              <a:pPr/>
               <a:t>‹#›</a:t>
             </a:fld>
             <a:endParaRPr lang="en-US"/>
@@ -1739,6 +1751,7 @@
           <a:p>
             <a:fld id="{D8B86852-3E66-4EC2-8D43-1CAE7F64559B}" type="datetimeFigureOut">
               <a:rPr lang="en-US" smtClean="0"/>
+              <a:pPr/>
               <a:t>10/19/2025</a:t>
             </a:fld>
             <a:endParaRPr lang="en-US"/>
@@ -1781,6 +1794,7 @@
           <a:p>
             <a:fld id="{2922F535-3F86-4947-A8D8-26F53347A011}" type="slidenum">
               <a:rPr lang="en-US" smtClean="0"/>
+              <a:pPr/>
               <a:t>‹#›</a:t>
             </a:fld>
             <a:endParaRPr lang="en-US"/>
@@ -1852,6 +1866,7 @@
           <a:p>
             <a:fld id="{D8B86852-3E66-4EC2-8D43-1CAE7F64559B}" type="datetimeFigureOut">
               <a:rPr lang="en-US" smtClean="0"/>
+              <a:pPr/>
               <a:t>10/19/2025</a:t>
             </a:fld>
             <a:endParaRPr lang="en-US"/>
@@ -1894,6 +1909,7 @@
           <a:p>
             <a:fld id="{2922F535-3F86-4947-A8D8-26F53347A011}" type="slidenum">
               <a:rPr lang="en-US" smtClean="0"/>
+              <a:pPr/>
               <a:t>‹#›</a:t>
             </a:fld>
             <a:endParaRPr lang="en-US"/>
@@ -1942,6 +1958,7 @@
           <a:p>
             <a:fld id="{D8B86852-3E66-4EC2-8D43-1CAE7F64559B}" type="datetimeFigureOut">
               <a:rPr lang="en-US" smtClean="0"/>
+              <a:pPr/>
               <a:t>10/19/2025</a:t>
             </a:fld>
             <a:endParaRPr lang="en-US"/>
@@ -1984,6 +2001,7 @@
           <a:p>
             <a:fld id="{2922F535-3F86-4947-A8D8-26F53347A011}" type="slidenum">
               <a:rPr lang="en-US" smtClean="0"/>
+              <a:pPr/>
               <a:t>‹#›</a:t>
             </a:fld>
             <a:endParaRPr lang="en-US"/>
@@ -2214,6 +2232,7 @@
           <a:p>
             <a:fld id="{D8B86852-3E66-4EC2-8D43-1CAE7F64559B}" type="datetimeFigureOut">
               <a:rPr lang="en-US" smtClean="0"/>
+              <a:pPr/>
               <a:t>10/19/2025</a:t>
             </a:fld>
             <a:endParaRPr lang="en-US"/>
@@ -2256,6 +2275,7 @@
           <a:p>
             <a:fld id="{2922F535-3F86-4947-A8D8-26F53347A011}" type="slidenum">
               <a:rPr lang="en-US" smtClean="0"/>
+              <a:pPr/>
               <a:t>‹#›</a:t>
             </a:fld>
             <a:endParaRPr lang="en-US"/>
@@ -2462,6 +2482,7 @@
           <a:p>
             <a:fld id="{D8B86852-3E66-4EC2-8D43-1CAE7F64559B}" type="datetimeFigureOut">
               <a:rPr lang="en-US" smtClean="0"/>
+              <a:pPr/>
               <a:t>10/19/2025</a:t>
             </a:fld>
             <a:endParaRPr lang="en-US"/>
@@ -2504,6 +2525,7 @@
           <a:p>
             <a:fld id="{2922F535-3F86-4947-A8D8-26F53347A011}" type="slidenum">
               <a:rPr lang="en-US" smtClean="0"/>
+              <a:pPr/>
               <a:t>‹#›</a:t>
             </a:fld>
             <a:endParaRPr lang="en-US"/>
@@ -2670,6 +2692,7 @@
           <a:p>
             <a:fld id="{D8B86852-3E66-4EC2-8D43-1CAE7F64559B}" type="datetimeFigureOut">
               <a:rPr lang="en-US" smtClean="0"/>
+              <a:pPr/>
               <a:t>10/19/2025</a:t>
             </a:fld>
             <a:endParaRPr lang="en-US"/>
@@ -2748,6 +2771,7 @@
           <a:p>
             <a:fld id="{2922F535-3F86-4947-A8D8-26F53347A011}" type="slidenum">
               <a:rPr lang="en-US" smtClean="0"/>
+              <a:pPr/>
               <a:t>‹#›</a:t>
             </a:fld>
             <a:endParaRPr lang="en-US"/>
